--- a/Document Metarial/FRAS Final.pptx
+++ b/Document Metarial/FRAS Final.pptx
@@ -10,16 +10,17 @@
     <p:sldId id="259" r:id="rId4"/>
     <p:sldId id="266" r:id="rId5"/>
     <p:sldId id="267" r:id="rId6"/>
-    <p:sldId id="268" r:id="rId7"/>
-    <p:sldId id="269" r:id="rId8"/>
-    <p:sldId id="264" r:id="rId9"/>
-    <p:sldId id="265" r:id="rId10"/>
-    <p:sldId id="262" r:id="rId11"/>
-    <p:sldId id="270" r:id="rId12"/>
-    <p:sldId id="271" r:id="rId13"/>
-    <p:sldId id="272" r:id="rId14"/>
-    <p:sldId id="273" r:id="rId15"/>
-    <p:sldId id="256" r:id="rId16"/>
+    <p:sldId id="274" r:id="rId7"/>
+    <p:sldId id="268" r:id="rId8"/>
+    <p:sldId id="269" r:id="rId9"/>
+    <p:sldId id="264" r:id="rId10"/>
+    <p:sldId id="265" r:id="rId11"/>
+    <p:sldId id="262" r:id="rId12"/>
+    <p:sldId id="270" r:id="rId13"/>
+    <p:sldId id="271" r:id="rId14"/>
+    <p:sldId id="272" r:id="rId15"/>
+    <p:sldId id="273" r:id="rId16"/>
+    <p:sldId id="256" r:id="rId17"/>
   </p:sldIdLst>
   <p:sldSz cx="12192000" cy="6858000"/>
   <p:notesSz cx="6858000" cy="9144000"/>
@@ -6208,7 +6209,7 @@
           <p:cNvPr id="2" name="Title 1">
             <a:extLst>
               <a:ext uri="{FF2B5EF4-FFF2-40B4-BE49-F238E27FC236}">
-                <a16:creationId xmlns:a16="http://schemas.microsoft.com/office/drawing/2014/main" id="{997ABAD8-1F96-4787-BE55-86E4CD991C65}"/>
+                <a16:creationId xmlns:a16="http://schemas.microsoft.com/office/drawing/2014/main" id="{E3E1CB76-E7E9-45F4-84DD-FBA81370F546}"/>
               </a:ext>
             </a:extLst>
           </p:cNvPr>
@@ -6225,9 +6226,10 @@
           <a:lstStyle/>
           <a:p>
             <a:r>
-              <a:rPr lang="en-US" dirty="0"/>
-              <a:t>What Are Features?</a:t>
-            </a:r>
+              <a:rPr lang="en-US" dirty="0" err="1"/>
+              <a:t>DisAdvantages</a:t>
+            </a:r>
+            <a:endParaRPr lang="en-US" dirty="0"/>
           </a:p>
         </p:txBody>
       </p:sp>
@@ -6236,7 +6238,7 @@
           <p:cNvPr id="3" name="Content Placeholder 2">
             <a:extLst>
               <a:ext uri="{FF2B5EF4-FFF2-40B4-BE49-F238E27FC236}">
-                <a16:creationId xmlns:a16="http://schemas.microsoft.com/office/drawing/2014/main" id="{84B2F2FD-DBE4-446B-8B98-A9756B3207F4}"/>
+                <a16:creationId xmlns:a16="http://schemas.microsoft.com/office/drawing/2014/main" id="{1B9E3D7B-5D35-4C0B-A200-3AC0C8D2588B}"/>
               </a:ext>
             </a:extLst>
           </p:cNvPr>
@@ -6249,32 +6251,25 @@
         </p:nvSpPr>
         <p:spPr/>
         <p:txBody>
-          <a:bodyPr/>
+          <a:bodyPr>
+            <a:normAutofit/>
+          </a:bodyPr>
           <a:lstStyle/>
           <a:p>
             <a:r>
-              <a:rPr lang="en-US" dirty="0"/>
-              <a:t>A feature is a piece of information in an image that is relevant to solving a certain problem. It could be something as simple as a single pixel value, or more complex like edges, corners, and shapes. You can combine multiple simple features into a complex feature.</a:t>
-            </a:r>
-          </a:p>
-          <a:p>
-            <a:r>
-              <a:rPr lang="en-US" dirty="0"/>
-              <a:t>Applying certain operations to an image produces information that could be considered features as well. Computer vision and image processing have a large collection of useful features and feature extracting operations.</a:t>
-            </a:r>
-          </a:p>
-          <a:p>
-            <a:r>
-              <a:rPr lang="en-US" dirty="0"/>
-              <a:t>Basically, any inherent or derived property of an image could be used as a feature to solve tasks.</a:t>
-            </a:r>
+              <a:rPr lang="en-US" sz="2800" dirty="0"/>
+              <a:t>The accuracy of the system is not 100%. It can only detect face from a limited distance.</a:t>
+            </a:r>
+          </a:p>
+          <a:p>
+            <a:endParaRPr lang="en-US" sz="2800" dirty="0"/>
           </a:p>
         </p:txBody>
       </p:sp>
     </p:spTree>
     <p:extLst>
       <p:ext uri="{BB962C8B-B14F-4D97-AF65-F5344CB8AC3E}">
-        <p14:creationId xmlns:p14="http://schemas.microsoft.com/office/powerpoint/2010/main" val="274141480"/>
+        <p14:creationId xmlns:p14="http://schemas.microsoft.com/office/powerpoint/2010/main" val="811611817"/>
       </p:ext>
     </p:extLst>
   </p:cSld>
@@ -6306,7 +6301,7 @@
           <p:cNvPr id="2" name="Title 1">
             <a:extLst>
               <a:ext uri="{FF2B5EF4-FFF2-40B4-BE49-F238E27FC236}">
-                <a16:creationId xmlns:a16="http://schemas.microsoft.com/office/drawing/2014/main" id="{FB10513F-70B7-4ABA-9904-6641B816644E}"/>
+                <a16:creationId xmlns:a16="http://schemas.microsoft.com/office/drawing/2014/main" id="{997ABAD8-1F96-4787-BE55-86E4CD991C65}"/>
               </a:ext>
             </a:extLst>
           </p:cNvPr>
@@ -6324,7 +6319,7 @@
           <a:p>
             <a:r>
               <a:rPr lang="en-US" dirty="0"/>
-              <a:t>Result Analysis</a:t>
+              <a:t>What Are Features?</a:t>
             </a:r>
           </a:p>
         </p:txBody>
@@ -6334,7 +6329,7 @@
           <p:cNvPr id="3" name="Content Placeholder 2">
             <a:extLst>
               <a:ext uri="{FF2B5EF4-FFF2-40B4-BE49-F238E27FC236}">
-                <a16:creationId xmlns:a16="http://schemas.microsoft.com/office/drawing/2014/main" id="{0B093E9A-D4A8-4A9B-A5F2-5A0E6E17A441}"/>
+                <a16:creationId xmlns:a16="http://schemas.microsoft.com/office/drawing/2014/main" id="{84B2F2FD-DBE4-446B-8B98-A9756B3207F4}"/>
               </a:ext>
             </a:extLst>
           </p:cNvPr>
@@ -6347,14 +6342,24 @@
         </p:nvSpPr>
         <p:spPr/>
         <p:txBody>
-          <a:bodyPr>
-            <a:normAutofit/>
-          </a:bodyPr>
+          <a:bodyPr/>
           <a:lstStyle/>
           <a:p>
             <a:r>
-              <a:rPr lang="en-US" sz="3200" dirty="0"/>
-              <a:t>In our project we have been working more the 1200 pictures. Our result of our project percentages is almost 80-81%. Thou it is not enough for this little dataset. To make almost 98%  accuracy we need to use more powerful hardware and also need more resources.</a:t>
+              <a:rPr lang="en-US" dirty="0"/>
+              <a:t>A feature is a piece of information in an image that is relevant to solving a certain problem. It could be something as simple as a single pixel value, or more complex like edges, corners, and shapes. You can combine multiple simple features into a complex feature.</a:t>
+            </a:r>
+          </a:p>
+          <a:p>
+            <a:r>
+              <a:rPr lang="en-US" dirty="0"/>
+              <a:t>Applying certain operations to an image produces information that could be considered features as well. Computer vision and image processing have a large collection of useful features and feature extracting operations.</a:t>
+            </a:r>
+          </a:p>
+          <a:p>
+            <a:r>
+              <a:rPr lang="en-US" dirty="0"/>
+              <a:t>Basically, any inherent or derived property of an image could be used as a feature to solve tasks.</a:t>
             </a:r>
           </a:p>
         </p:txBody>
@@ -6362,7 +6367,7 @@
     </p:spTree>
     <p:extLst>
       <p:ext uri="{BB962C8B-B14F-4D97-AF65-F5344CB8AC3E}">
-        <p14:creationId xmlns:p14="http://schemas.microsoft.com/office/powerpoint/2010/main" val="882009470"/>
+        <p14:creationId xmlns:p14="http://schemas.microsoft.com/office/powerpoint/2010/main" val="274141480"/>
       </p:ext>
     </p:extLst>
   </p:cSld>
@@ -6394,7 +6399,7 @@
           <p:cNvPr id="2" name="Title 1">
             <a:extLst>
               <a:ext uri="{FF2B5EF4-FFF2-40B4-BE49-F238E27FC236}">
-                <a16:creationId xmlns:a16="http://schemas.microsoft.com/office/drawing/2014/main" id="{53A6AA06-DCBA-4F28-A623-346BE1342DEF}"/>
+                <a16:creationId xmlns:a16="http://schemas.microsoft.com/office/drawing/2014/main" id="{FB10513F-70B7-4ABA-9904-6641B816644E}"/>
               </a:ext>
             </a:extLst>
           </p:cNvPr>
@@ -6412,7 +6417,7 @@
           <a:p>
             <a:r>
               <a:rPr lang="en-US" dirty="0"/>
-              <a:t>Why we don’t use Neural Network.</a:t>
+              <a:t>Result Analysis</a:t>
             </a:r>
           </a:p>
         </p:txBody>
@@ -6422,7 +6427,7 @@
           <p:cNvPr id="3" name="Content Placeholder 2">
             <a:extLst>
               <a:ext uri="{FF2B5EF4-FFF2-40B4-BE49-F238E27FC236}">
-                <a16:creationId xmlns:a16="http://schemas.microsoft.com/office/drawing/2014/main" id="{1589C0E8-64AD-4F81-B296-E82FF32666C8}"/>
+                <a16:creationId xmlns:a16="http://schemas.microsoft.com/office/drawing/2014/main" id="{0B093E9A-D4A8-4A9B-A5F2-5A0E6E17A441}"/>
               </a:ext>
             </a:extLst>
           </p:cNvPr>
@@ -6440,39 +6445,9 @@
           </a:bodyPr>
           <a:lstStyle/>
           <a:p>
-            <a:pPr marL="0" indent="0">
-              <a:buNone/>
-            </a:pPr>
-            <a:r>
-              <a:rPr lang="en-US" sz="2400" dirty="0"/>
-              <a:t>Raspberry Pi isn’t powerful enough to compute the images using neural or deep learning.</a:t>
-            </a:r>
-          </a:p>
-          <a:p>
-            <a:pPr marL="0" indent="0">
-              <a:buNone/>
-            </a:pPr>
-            <a:r>
-              <a:rPr lang="en-US" sz="2400" dirty="0"/>
-              <a:t>The problem are:</a:t>
-            </a:r>
-          </a:p>
-          <a:p>
-            <a:r>
-              <a:rPr lang="en-US" sz="2400" dirty="0"/>
-              <a:t> not enough ram</a:t>
-            </a:r>
-          </a:p>
-          <a:p>
-            <a:r>
-              <a:rPr lang="en-US" sz="2400" dirty="0"/>
-              <a:t>Processor is slow</a:t>
-            </a:r>
-          </a:p>
-          <a:p>
-            <a:r>
-              <a:rPr lang="en-US" sz="2400" dirty="0"/>
-              <a:t>not the right hardware for heavy computational processes</a:t>
+            <a:r>
+              <a:rPr lang="en-US" sz="3200" dirty="0"/>
+              <a:t>In our project we have been working more the 1200 pictures. Our result of our project percentages is almost 80-81%. Thou it is not enough for this little dataset. To make almost 98%  accuracy we need to use more powerful hardware and also need more resources.</a:t>
             </a:r>
           </a:p>
         </p:txBody>
@@ -6480,7 +6455,7 @@
     </p:spTree>
     <p:extLst>
       <p:ext uri="{BB962C8B-B14F-4D97-AF65-F5344CB8AC3E}">
-        <p14:creationId xmlns:p14="http://schemas.microsoft.com/office/powerpoint/2010/main" val="2999960692"/>
+        <p14:creationId xmlns:p14="http://schemas.microsoft.com/office/powerpoint/2010/main" val="882009470"/>
       </p:ext>
     </p:extLst>
   </p:cSld>
@@ -6512,6 +6487,124 @@
           <p:cNvPr id="2" name="Title 1">
             <a:extLst>
               <a:ext uri="{FF2B5EF4-FFF2-40B4-BE49-F238E27FC236}">
+                <a16:creationId xmlns:a16="http://schemas.microsoft.com/office/drawing/2014/main" id="{53A6AA06-DCBA-4F28-A623-346BE1342DEF}"/>
+              </a:ext>
+            </a:extLst>
+          </p:cNvPr>
+          <p:cNvSpPr>
+            <a:spLocks noGrp="1"/>
+          </p:cNvSpPr>
+          <p:nvPr>
+            <p:ph type="title"/>
+          </p:nvPr>
+        </p:nvSpPr>
+        <p:spPr/>
+        <p:txBody>
+          <a:bodyPr/>
+          <a:lstStyle/>
+          <a:p>
+            <a:r>
+              <a:rPr lang="en-US" dirty="0"/>
+              <a:t>Why we don’t use Neural Network.</a:t>
+            </a:r>
+          </a:p>
+        </p:txBody>
+      </p:sp>
+      <p:sp>
+        <p:nvSpPr>
+          <p:cNvPr id="3" name="Content Placeholder 2">
+            <a:extLst>
+              <a:ext uri="{FF2B5EF4-FFF2-40B4-BE49-F238E27FC236}">
+                <a16:creationId xmlns:a16="http://schemas.microsoft.com/office/drawing/2014/main" id="{1589C0E8-64AD-4F81-B296-E82FF32666C8}"/>
+              </a:ext>
+            </a:extLst>
+          </p:cNvPr>
+          <p:cNvSpPr>
+            <a:spLocks noGrp="1"/>
+          </p:cNvSpPr>
+          <p:nvPr>
+            <p:ph idx="1"/>
+          </p:nvPr>
+        </p:nvSpPr>
+        <p:spPr/>
+        <p:txBody>
+          <a:bodyPr>
+            <a:normAutofit/>
+          </a:bodyPr>
+          <a:lstStyle/>
+          <a:p>
+            <a:pPr marL="0" indent="0">
+              <a:buNone/>
+            </a:pPr>
+            <a:r>
+              <a:rPr lang="en-US" sz="2400" dirty="0"/>
+              <a:t>Raspberry Pi isn’t powerful enough to compute the images using neural or deep learning.</a:t>
+            </a:r>
+          </a:p>
+          <a:p>
+            <a:pPr marL="0" indent="0">
+              <a:buNone/>
+            </a:pPr>
+            <a:r>
+              <a:rPr lang="en-US" sz="2400" dirty="0"/>
+              <a:t>The problem are:</a:t>
+            </a:r>
+          </a:p>
+          <a:p>
+            <a:r>
+              <a:rPr lang="en-US" sz="2400" dirty="0"/>
+              <a:t> not enough ram</a:t>
+            </a:r>
+          </a:p>
+          <a:p>
+            <a:r>
+              <a:rPr lang="en-US" sz="2400" dirty="0"/>
+              <a:t>Processor is slow</a:t>
+            </a:r>
+          </a:p>
+          <a:p>
+            <a:r>
+              <a:rPr lang="en-US" sz="2400" dirty="0"/>
+              <a:t>not the right hardware for heavy computational processes</a:t>
+            </a:r>
+          </a:p>
+        </p:txBody>
+      </p:sp>
+    </p:spTree>
+    <p:extLst>
+      <p:ext uri="{BB962C8B-B14F-4D97-AF65-F5344CB8AC3E}">
+        <p14:creationId xmlns:p14="http://schemas.microsoft.com/office/powerpoint/2010/main" val="2999960692"/>
+      </p:ext>
+    </p:extLst>
+  </p:cSld>
+  <p:clrMapOvr>
+    <a:masterClrMapping/>
+  </p:clrMapOvr>
+</p:sld>
+</file>
+
+<file path=ppt/slides/slide14.xml><?xml version="1.0" encoding="utf-8"?>
+<p:sld xmlns:a="http://schemas.openxmlformats.org/drawingml/2006/main" xmlns:r="http://schemas.openxmlformats.org/officeDocument/2006/relationships" xmlns:p="http://schemas.openxmlformats.org/presentationml/2006/main">
+  <p:cSld>
+    <p:spTree>
+      <p:nvGrpSpPr>
+        <p:cNvPr id="1" name=""/>
+        <p:cNvGrpSpPr/>
+        <p:nvPr/>
+      </p:nvGrpSpPr>
+      <p:grpSpPr>
+        <a:xfrm>
+          <a:off x="0" y="0"/>
+          <a:ext cx="0" cy="0"/>
+          <a:chOff x="0" y="0"/>
+          <a:chExt cx="0" cy="0"/>
+        </a:xfrm>
+      </p:grpSpPr>
+      <p:sp>
+        <p:nvSpPr>
+          <p:cNvPr id="2" name="Title 1">
+            <a:extLst>
+              <a:ext uri="{FF2B5EF4-FFF2-40B4-BE49-F238E27FC236}">
                 <a16:creationId xmlns:a16="http://schemas.microsoft.com/office/drawing/2014/main" id="{DAECC986-CE53-4463-8151-9E4809A7B8B8}"/>
               </a:ext>
             </a:extLst>
@@ -6578,7 +6671,7 @@
 </p:sld>
 </file>
 
-<file path=ppt/slides/slide14.xml><?xml version="1.0" encoding="utf-8"?>
+<file path=ppt/slides/slide15.xml><?xml version="1.0" encoding="utf-8"?>
 <p:sld xmlns:a="http://schemas.openxmlformats.org/drawingml/2006/main" xmlns:r="http://schemas.openxmlformats.org/officeDocument/2006/relationships" xmlns:p="http://schemas.openxmlformats.org/presentationml/2006/main">
   <p:cSld>
     <p:spTree>
@@ -6676,7 +6769,7 @@
 </p:sld>
 </file>
 
-<file path=ppt/slides/slide15.xml><?xml version="1.0" encoding="utf-8"?>
+<file path=ppt/slides/slide16.xml><?xml version="1.0" encoding="utf-8"?>
 <p:sld xmlns:a="http://schemas.openxmlformats.org/drawingml/2006/main" xmlns:r="http://schemas.openxmlformats.org/officeDocument/2006/relationships" xmlns:p="http://schemas.openxmlformats.org/presentationml/2006/main">
   <p:cSld>
     <p:spTree>
@@ -9786,7 +9879,7 @@
           <p:cNvPr id="2" name="Title 1">
             <a:extLst>
               <a:ext uri="{FF2B5EF4-FFF2-40B4-BE49-F238E27FC236}">
-                <a16:creationId xmlns:a16="http://schemas.microsoft.com/office/drawing/2014/main" id="{CA726F93-EBCB-44EB-8C01-A0CB81734495}"/>
+                <a16:creationId xmlns:a16="http://schemas.microsoft.com/office/drawing/2014/main" id="{1414F103-0376-414E-BE0E-98F8AF9B7159}"/>
               </a:ext>
             </a:extLst>
           </p:cNvPr>
@@ -9797,87 +9890,62 @@
             <p:ph type="title"/>
           </p:nvPr>
         </p:nvSpPr>
-        <p:spPr/>
+        <p:spPr>
+          <a:xfrm>
+            <a:off x="685801" y="609600"/>
+            <a:ext cx="10131425" cy="715347"/>
+          </a:xfrm>
+        </p:spPr>
         <p:txBody>
           <a:bodyPr/>
           <a:lstStyle/>
           <a:p>
             <a:r>
-              <a:rPr lang="en-US" b="1" dirty="0"/>
-              <a:t>Specifications of the product</a:t>
-            </a:r>
-            <a:endParaRPr lang="en-US" dirty="0"/>
-          </a:p>
-        </p:txBody>
-      </p:sp>
-      <p:sp>
-        <p:nvSpPr>
-          <p:cNvPr id="3" name="Content Placeholder 2">
+              <a:rPr lang="en-US" dirty="0"/>
+              <a:t>Gantt Chart</a:t>
+            </a:r>
+          </a:p>
+        </p:txBody>
+      </p:sp>
+      <p:pic>
+        <p:nvPicPr>
+          <p:cNvPr id="5" name="Content Placeholder 4">
             <a:extLst>
               <a:ext uri="{FF2B5EF4-FFF2-40B4-BE49-F238E27FC236}">
-                <a16:creationId xmlns:a16="http://schemas.microsoft.com/office/drawing/2014/main" id="{70983E6F-CCA8-49FB-ACF8-5CD24CD69CFF}"/>
+                <a16:creationId xmlns:a16="http://schemas.microsoft.com/office/drawing/2014/main" id="{A4895FDE-5BEE-4091-806F-C651C26C0537}"/>
               </a:ext>
             </a:extLst>
           </p:cNvPr>
-          <p:cNvSpPr>
-            <a:spLocks noGrp="1"/>
-          </p:cNvSpPr>
+          <p:cNvPicPr>
+            <a:picLocks noGrp="1" noChangeAspect="1"/>
+          </p:cNvPicPr>
           <p:nvPr>
             <p:ph idx="1"/>
           </p:nvPr>
-        </p:nvSpPr>
-        <p:spPr/>
-        <p:txBody>
-          <a:bodyPr/>
-          <a:lstStyle/>
-          <a:p>
-            <a:pPr lvl="0"/>
-            <a:r>
-              <a:rPr lang="en-US" sz="2800" dirty="0"/>
-              <a:t>HD Webcam (Camera Module).</a:t>
-            </a:r>
-          </a:p>
-          <a:p>
-            <a:pPr lvl="0"/>
-            <a:r>
-              <a:rPr lang="en-US" sz="2800" dirty="0"/>
-              <a:t>Raspberry pie.</a:t>
-            </a:r>
-          </a:p>
-          <a:p>
-            <a:pPr lvl="0"/>
-            <a:r>
-              <a:rPr lang="en-US" sz="2800" dirty="0"/>
-              <a:t>Battery for energy source.</a:t>
-            </a:r>
-          </a:p>
-          <a:p>
-            <a:pPr lvl="0"/>
-            <a:r>
-              <a:rPr lang="en-US" sz="2800" dirty="0"/>
-              <a:t>SD card.</a:t>
-            </a:r>
-          </a:p>
-          <a:p>
-            <a:pPr lvl="0"/>
-            <a:r>
-              <a:rPr lang="en-US" sz="2800" dirty="0"/>
-              <a:t>Laptop </a:t>
-            </a:r>
-          </a:p>
-          <a:p>
-            <a:pPr lvl="0"/>
-            <a:endParaRPr lang="en-US" sz="2800" dirty="0"/>
-          </a:p>
-          <a:p>
-            <a:endParaRPr lang="en-US" dirty="0"/>
-          </a:p>
-        </p:txBody>
-      </p:sp>
+        </p:nvPicPr>
+        <p:blipFill>
+          <a:blip r:embed="rId2">
+            <a:extLst>
+              <a:ext uri="{28A0092B-C50C-407E-A947-70E740481C1C}">
+                <a14:useLocalDpi xmlns:a14="http://schemas.microsoft.com/office/drawing/2010/main" val="0"/>
+              </a:ext>
+            </a:extLst>
+          </a:blip>
+          <a:stretch>
+            <a:fillRect/>
+          </a:stretch>
+        </p:blipFill>
+        <p:spPr>
+          <a:xfrm>
+            <a:off x="685800" y="1630083"/>
+            <a:ext cx="10744808" cy="4266864"/>
+          </a:xfrm>
+        </p:spPr>
+      </p:pic>
     </p:spTree>
     <p:extLst>
       <p:ext uri="{BB962C8B-B14F-4D97-AF65-F5344CB8AC3E}">
-        <p14:creationId xmlns:p14="http://schemas.microsoft.com/office/powerpoint/2010/main" val="1820255467"/>
+        <p14:creationId xmlns:p14="http://schemas.microsoft.com/office/powerpoint/2010/main" val="200620467"/>
       </p:ext>
     </p:extLst>
   </p:cSld>
@@ -9909,7 +9977,7 @@
           <p:cNvPr id="2" name="Title 1">
             <a:extLst>
               <a:ext uri="{FF2B5EF4-FFF2-40B4-BE49-F238E27FC236}">
-                <a16:creationId xmlns:a16="http://schemas.microsoft.com/office/drawing/2014/main" id="{7D08A471-85D1-4AA3-8C58-38C9A221169A}"/>
+                <a16:creationId xmlns:a16="http://schemas.microsoft.com/office/drawing/2014/main" id="{CA726F93-EBCB-44EB-8C01-A0CB81734495}"/>
               </a:ext>
             </a:extLst>
           </p:cNvPr>
@@ -9926,9 +9994,10 @@
           <a:lstStyle/>
           <a:p>
             <a:r>
-              <a:rPr lang="en-US" dirty="0"/>
-              <a:t>Software Used		</a:t>
-            </a:r>
+              <a:rPr lang="en-US" b="1" dirty="0"/>
+              <a:t>Specifications of the product</a:t>
+            </a:r>
+            <a:endParaRPr lang="en-US" dirty="0"/>
           </a:p>
         </p:txBody>
       </p:sp>
@@ -9937,7 +10006,7 @@
           <p:cNvPr id="3" name="Content Placeholder 2">
             <a:extLst>
               <a:ext uri="{FF2B5EF4-FFF2-40B4-BE49-F238E27FC236}">
-                <a16:creationId xmlns:a16="http://schemas.microsoft.com/office/drawing/2014/main" id="{6040D9C7-86A0-4AE3-B1D5-7CCC143A5E2A}"/>
+                <a16:creationId xmlns:a16="http://schemas.microsoft.com/office/drawing/2014/main" id="{70983E6F-CCA8-49FB-ACF8-5CD24CD69CFF}"/>
               </a:ext>
             </a:extLst>
           </p:cNvPr>
@@ -9953,40 +10022,234 @@
           <a:bodyPr/>
           <a:lstStyle/>
           <a:p>
-            <a:r>
-              <a:rPr lang="en-US" sz="2800" dirty="0"/>
-              <a:t>Program language: Python 3</a:t>
-            </a:r>
-          </a:p>
-          <a:p>
-            <a:r>
-              <a:rPr lang="en-US" sz="2800" dirty="0"/>
-              <a:t>Software: </a:t>
-            </a:r>
-          </a:p>
-          <a:p>
-            <a:r>
-              <a:rPr lang="en-US" sz="2800" dirty="0"/>
-              <a:t>1. </a:t>
-            </a:r>
-            <a:r>
-              <a:rPr lang="en-US" sz="2800" dirty="0" err="1"/>
-              <a:t>pycharm</a:t>
-            </a:r>
-            <a:r>
-              <a:rPr lang="en-US" sz="2800" dirty="0"/>
-              <a:t> </a:t>
-            </a:r>
+            <a:pPr lvl="0"/>
+            <a:endParaRPr lang="en-US" sz="2800" dirty="0"/>
           </a:p>
           <a:p>
             <a:endParaRPr lang="en-US" dirty="0"/>
           </a:p>
         </p:txBody>
       </p:sp>
+      <p:graphicFrame>
+        <p:nvGraphicFramePr>
+          <p:cNvPr id="4" name="Table 3">
+            <a:extLst>
+              <a:ext uri="{FF2B5EF4-FFF2-40B4-BE49-F238E27FC236}">
+                <a16:creationId xmlns:a16="http://schemas.microsoft.com/office/drawing/2014/main" id="{09D7780B-7BE0-4712-B2ED-C42388ED650B}"/>
+              </a:ext>
+            </a:extLst>
+          </p:cNvPr>
+          <p:cNvGraphicFramePr>
+            <a:graphicFrameLocks noGrp="1"/>
+          </p:cNvGraphicFramePr>
+          <p:nvPr>
+            <p:extLst>
+              <p:ext uri="{D42A27DB-BD31-4B8C-83A1-F6EECF244321}">
+                <p14:modId xmlns:p14="http://schemas.microsoft.com/office/powerpoint/2010/main" val="1986995642"/>
+              </p:ext>
+            </p:extLst>
+          </p:nvPr>
+        </p:nvGraphicFramePr>
+        <p:xfrm>
+          <a:off x="1374774" y="1959429"/>
+          <a:ext cx="8990500" cy="2764065"/>
+        </p:xfrm>
+        <a:graphic>
+          <a:graphicData uri="http://schemas.openxmlformats.org/drawingml/2006/table">
+            <a:tbl>
+              <a:tblPr firstRow="1" bandRow="1">
+                <a:tableStyleId>{5C22544A-7EE6-4342-B048-85BDC9FD1C3A}</a:tableStyleId>
+              </a:tblPr>
+              <a:tblGrid>
+                <a:gridCol w="4495250">
+                  <a:extLst>
+                    <a:ext uri="{9D8B030D-6E8A-4147-A177-3AD203B41FA5}">
+                      <a16:colId xmlns:a16="http://schemas.microsoft.com/office/drawing/2014/main" val="53825677"/>
+                    </a:ext>
+                  </a:extLst>
+                </a:gridCol>
+                <a:gridCol w="4495250">
+                  <a:extLst>
+                    <a:ext uri="{9D8B030D-6E8A-4147-A177-3AD203B41FA5}">
+                      <a16:colId xmlns:a16="http://schemas.microsoft.com/office/drawing/2014/main" val="1559614292"/>
+                    </a:ext>
+                  </a:extLst>
+                </a:gridCol>
+              </a:tblGrid>
+              <a:tr h="552813">
+                <a:tc>
+                  <a:txBody>
+                    <a:bodyPr/>
+                    <a:lstStyle/>
+                    <a:p>
+                      <a:r>
+                        <a:rPr lang="en-US" dirty="0"/>
+                        <a:t>Product name</a:t>
+                      </a:r>
+                    </a:p>
+                  </a:txBody>
+                  <a:tcPr/>
+                </a:tc>
+                <a:tc>
+                  <a:txBody>
+                    <a:bodyPr/>
+                    <a:lstStyle/>
+                    <a:p>
+                      <a:r>
+                        <a:rPr lang="en-US" dirty="0"/>
+                        <a:t>Prices</a:t>
+                      </a:r>
+                    </a:p>
+                  </a:txBody>
+                  <a:tcPr/>
+                </a:tc>
+                <a:extLst>
+                  <a:ext uri="{0D108BD9-81ED-4DB2-BD59-A6C34878D82A}">
+                    <a16:rowId xmlns:a16="http://schemas.microsoft.com/office/drawing/2014/main" val="2478056233"/>
+                  </a:ext>
+                </a:extLst>
+              </a:tr>
+              <a:tr h="552813">
+                <a:tc>
+                  <a:txBody>
+                    <a:bodyPr/>
+                    <a:lstStyle/>
+                    <a:p>
+                      <a:r>
+                        <a:rPr lang="en-US" dirty="0"/>
+                        <a:t>HD webcam</a:t>
+                      </a:r>
+                    </a:p>
+                  </a:txBody>
+                  <a:tcPr/>
+                </a:tc>
+                <a:tc>
+                  <a:txBody>
+                    <a:bodyPr/>
+                    <a:lstStyle/>
+                    <a:p>
+                      <a:r>
+                        <a:rPr lang="en-US" dirty="0"/>
+                        <a:t>1000</a:t>
+                      </a:r>
+                    </a:p>
+                  </a:txBody>
+                  <a:tcPr/>
+                </a:tc>
+                <a:extLst>
+                  <a:ext uri="{0D108BD9-81ED-4DB2-BD59-A6C34878D82A}">
+                    <a16:rowId xmlns:a16="http://schemas.microsoft.com/office/drawing/2014/main" val="2056597580"/>
+                  </a:ext>
+                </a:extLst>
+              </a:tr>
+              <a:tr h="552813">
+                <a:tc>
+                  <a:txBody>
+                    <a:bodyPr/>
+                    <a:lstStyle/>
+                    <a:p>
+                      <a:r>
+                        <a:rPr lang="en-US" dirty="0"/>
+                        <a:t>Raspberry pi</a:t>
+                      </a:r>
+                    </a:p>
+                  </a:txBody>
+                  <a:tcPr/>
+                </a:tc>
+                <a:tc>
+                  <a:txBody>
+                    <a:bodyPr/>
+                    <a:lstStyle/>
+                    <a:p>
+                      <a:r>
+                        <a:rPr lang="en-US" dirty="0"/>
+                        <a:t>4000</a:t>
+                      </a:r>
+                    </a:p>
+                  </a:txBody>
+                  <a:tcPr/>
+                </a:tc>
+                <a:extLst>
+                  <a:ext uri="{0D108BD9-81ED-4DB2-BD59-A6C34878D82A}">
+                    <a16:rowId xmlns:a16="http://schemas.microsoft.com/office/drawing/2014/main" val="3125012329"/>
+                  </a:ext>
+                </a:extLst>
+              </a:tr>
+              <a:tr h="552813">
+                <a:tc>
+                  <a:txBody>
+                    <a:bodyPr/>
+                    <a:lstStyle/>
+                    <a:p>
+                      <a:r>
+                        <a:rPr lang="en-US" dirty="0"/>
+                        <a:t>SD card</a:t>
+                      </a:r>
+                    </a:p>
+                  </a:txBody>
+                  <a:tcPr/>
+                </a:tc>
+                <a:tc>
+                  <a:txBody>
+                    <a:bodyPr/>
+                    <a:lstStyle/>
+                    <a:p>
+                      <a:r>
+                        <a:rPr lang="en-US" dirty="0"/>
+                        <a:t>500</a:t>
+                      </a:r>
+                    </a:p>
+                  </a:txBody>
+                  <a:tcPr/>
+                </a:tc>
+                <a:extLst>
+                  <a:ext uri="{0D108BD9-81ED-4DB2-BD59-A6C34878D82A}">
+                    <a16:rowId xmlns:a16="http://schemas.microsoft.com/office/drawing/2014/main" val="248057571"/>
+                  </a:ext>
+                </a:extLst>
+              </a:tr>
+              <a:tr h="552813">
+                <a:tc>
+                  <a:txBody>
+                    <a:bodyPr/>
+                    <a:lstStyle/>
+                    <a:p>
+                      <a:r>
+                        <a:rPr lang="en-US" dirty="0"/>
+                        <a:t>Total</a:t>
+                      </a:r>
+                    </a:p>
+                  </a:txBody>
+                  <a:tcPr/>
+                </a:tc>
+                <a:tc>
+                  <a:txBody>
+                    <a:bodyPr/>
+                    <a:lstStyle/>
+                    <a:p>
+                      <a:r>
+                        <a:rPr lang="en-US"/>
+                        <a:t>5500</a:t>
+                      </a:r>
+                      <a:endParaRPr lang="en-US" dirty="0"/>
+                    </a:p>
+                  </a:txBody>
+                  <a:tcPr/>
+                </a:tc>
+                <a:extLst>
+                  <a:ext uri="{0D108BD9-81ED-4DB2-BD59-A6C34878D82A}">
+                    <a16:rowId xmlns:a16="http://schemas.microsoft.com/office/drawing/2014/main" val="1089097585"/>
+                  </a:ext>
+                </a:extLst>
+              </a:tr>
+            </a:tbl>
+          </a:graphicData>
+        </a:graphic>
+      </p:graphicFrame>
     </p:spTree>
     <p:extLst>
       <p:ext uri="{BB962C8B-B14F-4D97-AF65-F5344CB8AC3E}">
-        <p14:creationId xmlns:p14="http://schemas.microsoft.com/office/powerpoint/2010/main" val="1823365435"/>
+        <p14:creationId xmlns:p14="http://schemas.microsoft.com/office/powerpoint/2010/main" val="1820255467"/>
       </p:ext>
     </p:extLst>
   </p:cSld>
@@ -10018,7 +10281,7 @@
           <p:cNvPr id="2" name="Title 1">
             <a:extLst>
               <a:ext uri="{FF2B5EF4-FFF2-40B4-BE49-F238E27FC236}">
-                <a16:creationId xmlns:a16="http://schemas.microsoft.com/office/drawing/2014/main" id="{A218A529-C71A-457F-870C-06978182F894}"/>
+                <a16:creationId xmlns:a16="http://schemas.microsoft.com/office/drawing/2014/main" id="{7D08A471-85D1-4AA3-8C58-38C9A221169A}"/>
               </a:ext>
             </a:extLst>
           </p:cNvPr>
@@ -10036,7 +10299,7 @@
           <a:p>
             <a:r>
               <a:rPr lang="en-US" dirty="0"/>
-              <a:t>Advantages</a:t>
+              <a:t>Software Used		</a:t>
             </a:r>
           </a:p>
         </p:txBody>
@@ -10046,7 +10309,7 @@
           <p:cNvPr id="3" name="Content Placeholder 2">
             <a:extLst>
               <a:ext uri="{FF2B5EF4-FFF2-40B4-BE49-F238E27FC236}">
-                <a16:creationId xmlns:a16="http://schemas.microsoft.com/office/drawing/2014/main" id="{D8C51176-1B95-4652-A686-1E2E3CB1E5F4}"/>
+                <a16:creationId xmlns:a16="http://schemas.microsoft.com/office/drawing/2014/main" id="{6040D9C7-86A0-4AE3-B1D5-7CCC143A5E2A}"/>
               </a:ext>
             </a:extLst>
           </p:cNvPr>
@@ -10059,31 +10322,43 @@
         </p:nvSpPr>
         <p:spPr/>
         <p:txBody>
-          <a:bodyPr>
-            <a:normAutofit/>
-          </a:bodyPr>
+          <a:bodyPr/>
           <a:lstStyle/>
           <a:p>
             <a:r>
-              <a:rPr lang="en-US" sz="2400" dirty="0"/>
-              <a:t>The system stores the faces that are detected and automatically marks attendance.</a:t>
-            </a:r>
-          </a:p>
-          <a:p>
-            <a:r>
-              <a:rPr lang="en-US" sz="2400" dirty="0"/>
-              <a:t>Ease of use is manipulate and recognize the faces in real time using. Multiple face detection. Multipurpose software Can be used in different places.</a:t>
-            </a:r>
-          </a:p>
-          <a:p>
-            <a:endParaRPr lang="en-US" sz="2400" dirty="0"/>
+              <a:rPr lang="en-US" sz="2800" dirty="0"/>
+              <a:t>Program language: Python 3</a:t>
+            </a:r>
+          </a:p>
+          <a:p>
+            <a:r>
+              <a:rPr lang="en-US" sz="2800" dirty="0"/>
+              <a:t>Software: </a:t>
+            </a:r>
+          </a:p>
+          <a:p>
+            <a:r>
+              <a:rPr lang="en-US" sz="2800" dirty="0"/>
+              <a:t>1. </a:t>
+            </a:r>
+            <a:r>
+              <a:rPr lang="en-US" sz="2800" dirty="0" err="1"/>
+              <a:t>pycharm</a:t>
+            </a:r>
+            <a:r>
+              <a:rPr lang="en-US" sz="2800" dirty="0"/>
+              <a:t> </a:t>
+            </a:r>
+          </a:p>
+          <a:p>
+            <a:endParaRPr lang="en-US" dirty="0"/>
           </a:p>
         </p:txBody>
       </p:sp>
     </p:spTree>
     <p:extLst>
       <p:ext uri="{BB962C8B-B14F-4D97-AF65-F5344CB8AC3E}">
-        <p14:creationId xmlns:p14="http://schemas.microsoft.com/office/powerpoint/2010/main" val="3598061221"/>
+        <p14:creationId xmlns:p14="http://schemas.microsoft.com/office/powerpoint/2010/main" val="1823365435"/>
       </p:ext>
     </p:extLst>
   </p:cSld>
@@ -10115,7 +10390,7 @@
           <p:cNvPr id="2" name="Title 1">
             <a:extLst>
               <a:ext uri="{FF2B5EF4-FFF2-40B4-BE49-F238E27FC236}">
-                <a16:creationId xmlns:a16="http://schemas.microsoft.com/office/drawing/2014/main" id="{E3E1CB76-E7E9-45F4-84DD-FBA81370F546}"/>
+                <a16:creationId xmlns:a16="http://schemas.microsoft.com/office/drawing/2014/main" id="{A218A529-C71A-457F-870C-06978182F894}"/>
               </a:ext>
             </a:extLst>
           </p:cNvPr>
@@ -10132,10 +10407,9 @@
           <a:lstStyle/>
           <a:p>
             <a:r>
-              <a:rPr lang="en-US" dirty="0" err="1"/>
-              <a:t>DisAdvantages</a:t>
-            </a:r>
-            <a:endParaRPr lang="en-US" dirty="0"/>
+              <a:rPr lang="en-US" dirty="0"/>
+              <a:t>Advantages</a:t>
+            </a:r>
           </a:p>
         </p:txBody>
       </p:sp>
@@ -10144,7 +10418,7 @@
           <p:cNvPr id="3" name="Content Placeholder 2">
             <a:extLst>
               <a:ext uri="{FF2B5EF4-FFF2-40B4-BE49-F238E27FC236}">
-                <a16:creationId xmlns:a16="http://schemas.microsoft.com/office/drawing/2014/main" id="{1B9E3D7B-5D35-4C0B-A200-3AC0C8D2588B}"/>
+                <a16:creationId xmlns:a16="http://schemas.microsoft.com/office/drawing/2014/main" id="{D8C51176-1B95-4652-A686-1E2E3CB1E5F4}"/>
               </a:ext>
             </a:extLst>
           </p:cNvPr>
@@ -10163,19 +10437,25 @@
           <a:lstStyle/>
           <a:p>
             <a:r>
-              <a:rPr lang="en-US" sz="2800" dirty="0"/>
-              <a:t>The accuracy of the system is not 100%. It can only detect face from a limited distance.</a:t>
-            </a:r>
-          </a:p>
-          <a:p>
-            <a:endParaRPr lang="en-US" sz="2800" dirty="0"/>
+              <a:rPr lang="en-US" sz="2400" dirty="0"/>
+              <a:t>The system stores the faces that are detected and automatically marks attendance.</a:t>
+            </a:r>
+          </a:p>
+          <a:p>
+            <a:r>
+              <a:rPr lang="en-US" sz="2400" dirty="0"/>
+              <a:t>Ease of use is manipulate and recognize the faces in real time using. Multiple face detection. Multipurpose software Can be used in different places.</a:t>
+            </a:r>
+          </a:p>
+          <a:p>
+            <a:endParaRPr lang="en-US" sz="2400" dirty="0"/>
           </a:p>
         </p:txBody>
       </p:sp>
     </p:spTree>
     <p:extLst>
       <p:ext uri="{BB962C8B-B14F-4D97-AF65-F5344CB8AC3E}">
-        <p14:creationId xmlns:p14="http://schemas.microsoft.com/office/powerpoint/2010/main" val="811611817"/>
+        <p14:creationId xmlns:p14="http://schemas.microsoft.com/office/powerpoint/2010/main" val="3598061221"/>
       </p:ext>
     </p:extLst>
   </p:cSld>
